--- a/tests/I11 Measurement/I11V01.pptx
+++ b/tests/I11 Measurement/I11V01.pptx
@@ -243,7 +243,7 @@
           <a:p>
             <a:fld id="{77A57ED4-2148-4BB6-BAB9-1FFC63FD67E9}" type="datetimeFigureOut">
               <a:rPr lang="en-GB" smtClean="0"/>
-              <a:t>25/04/2017</a:t>
+              <a:t>26/04/2017</a:t>
             </a:fld>
             <a:endParaRPr lang="en-GB"/>
           </a:p>
@@ -413,7 +413,7 @@
           <a:p>
             <a:fld id="{77A57ED4-2148-4BB6-BAB9-1FFC63FD67E9}" type="datetimeFigureOut">
               <a:rPr lang="en-GB" smtClean="0"/>
-              <a:t>25/04/2017</a:t>
+              <a:t>26/04/2017</a:t>
             </a:fld>
             <a:endParaRPr lang="en-GB"/>
           </a:p>
@@ -593,7 +593,7 @@
           <a:p>
             <a:fld id="{77A57ED4-2148-4BB6-BAB9-1FFC63FD67E9}" type="datetimeFigureOut">
               <a:rPr lang="en-GB" smtClean="0"/>
-              <a:t>25/04/2017</a:t>
+              <a:t>26/04/2017</a:t>
             </a:fld>
             <a:endParaRPr lang="en-GB"/>
           </a:p>
@@ -763,7 +763,7 @@
           <a:p>
             <a:fld id="{77A57ED4-2148-4BB6-BAB9-1FFC63FD67E9}" type="datetimeFigureOut">
               <a:rPr lang="en-GB" smtClean="0"/>
-              <a:t>25/04/2017</a:t>
+              <a:t>26/04/2017</a:t>
             </a:fld>
             <a:endParaRPr lang="en-GB"/>
           </a:p>
@@ -1009,7 +1009,7 @@
           <a:p>
             <a:fld id="{77A57ED4-2148-4BB6-BAB9-1FFC63FD67E9}" type="datetimeFigureOut">
               <a:rPr lang="en-GB" smtClean="0"/>
-              <a:t>25/04/2017</a:t>
+              <a:t>26/04/2017</a:t>
             </a:fld>
             <a:endParaRPr lang="en-GB"/>
           </a:p>
@@ -1241,7 +1241,7 @@
           <a:p>
             <a:fld id="{77A57ED4-2148-4BB6-BAB9-1FFC63FD67E9}" type="datetimeFigureOut">
               <a:rPr lang="en-GB" smtClean="0"/>
-              <a:t>25/04/2017</a:t>
+              <a:t>26/04/2017</a:t>
             </a:fld>
             <a:endParaRPr lang="en-GB"/>
           </a:p>
@@ -1608,7 +1608,7 @@
           <a:p>
             <a:fld id="{77A57ED4-2148-4BB6-BAB9-1FFC63FD67E9}" type="datetimeFigureOut">
               <a:rPr lang="en-GB" smtClean="0"/>
-              <a:t>25/04/2017</a:t>
+              <a:t>26/04/2017</a:t>
             </a:fld>
             <a:endParaRPr lang="en-GB"/>
           </a:p>
@@ -1726,7 +1726,7 @@
           <a:p>
             <a:fld id="{77A57ED4-2148-4BB6-BAB9-1FFC63FD67E9}" type="datetimeFigureOut">
               <a:rPr lang="en-GB" smtClean="0"/>
-              <a:t>25/04/2017</a:t>
+              <a:t>26/04/2017</a:t>
             </a:fld>
             <a:endParaRPr lang="en-GB"/>
           </a:p>
@@ -1821,7 +1821,7 @@
           <a:p>
             <a:fld id="{77A57ED4-2148-4BB6-BAB9-1FFC63FD67E9}" type="datetimeFigureOut">
               <a:rPr lang="en-GB" smtClean="0"/>
-              <a:t>25/04/2017</a:t>
+              <a:t>26/04/2017</a:t>
             </a:fld>
             <a:endParaRPr lang="en-GB"/>
           </a:p>
@@ -2098,7 +2098,7 @@
           <a:p>
             <a:fld id="{77A57ED4-2148-4BB6-BAB9-1FFC63FD67E9}" type="datetimeFigureOut">
               <a:rPr lang="en-GB" smtClean="0"/>
-              <a:t>25/04/2017</a:t>
+              <a:t>26/04/2017</a:t>
             </a:fld>
             <a:endParaRPr lang="en-GB"/>
           </a:p>
@@ -2351,7 +2351,7 @@
           <a:p>
             <a:fld id="{77A57ED4-2148-4BB6-BAB9-1FFC63FD67E9}" type="datetimeFigureOut">
               <a:rPr lang="en-GB" smtClean="0"/>
-              <a:t>25/04/2017</a:t>
+              <a:t>26/04/2017</a:t>
             </a:fld>
             <a:endParaRPr lang="en-GB"/>
           </a:p>
@@ -2564,7 +2564,7 @@
           <a:p>
             <a:fld id="{77A57ED4-2148-4BB6-BAB9-1FFC63FD67E9}" type="datetimeFigureOut">
               <a:rPr lang="en-GB" smtClean="0"/>
-              <a:t>25/04/2017</a:t>
+              <a:t>26/04/2017</a:t>
             </a:fld>
             <a:endParaRPr lang="en-GB"/>
           </a:p>
@@ -2971,7 +2971,7 @@
       </p:grpSpPr>
       <p:pic>
         <p:nvPicPr>
-          <p:cNvPr id="2" name="Picture 1"/>
+          <p:cNvPr id="3" name="Picture 2"/>
           <p:cNvPicPr>
             <a:picLocks noChangeAspect="1"/>
           </p:cNvPicPr>
@@ -2985,8 +2985,8 @@
         </p:blipFill>
         <p:spPr>
           <a:xfrm>
-            <a:off x="3228975" y="828675"/>
-            <a:ext cx="5734050" cy="5200650"/>
+            <a:off x="4086225" y="1181100"/>
+            <a:ext cx="4019550" cy="4495800"/>
           </a:xfrm>
           <a:prstGeom prst="rect">
             <a:avLst/>

--- a/tests/I11 Measurement/I11V01.pptx
+++ b/tests/I11 Measurement/I11V01.pptx
@@ -112,6 +112,10 @@
 </p:presentation>
 </file>
 
+<file path=ppt/revisionInfo.xml><?xml version="1.0" encoding="utf-8"?>
+<p1510:revInfo xmlns:a="http://schemas.openxmlformats.org/drawingml/2006/main" xmlns:r="http://schemas.openxmlformats.org/officeDocument/2006/relationships" xmlns:p1510="http://schemas.microsoft.com/office/powerpoint/2015/10/main"/>
+</file>
+
 <file path=ppt/slideLayouts/slideLayout1.xml><?xml version="1.0" encoding="utf-8"?>
 <p:sldLayout xmlns:a="http://schemas.openxmlformats.org/drawingml/2006/main" xmlns:r="http://schemas.openxmlformats.org/officeDocument/2006/relationships" xmlns:p="http://schemas.openxmlformats.org/presentationml/2006/main" type="title" preserve="1">
   <p:cSld name="Title Slide">
@@ -243,7 +247,7 @@
           <a:p>
             <a:fld id="{77A57ED4-2148-4BB6-BAB9-1FFC63FD67E9}" type="datetimeFigureOut">
               <a:rPr lang="en-GB" smtClean="0"/>
-              <a:t>26/04/2017</a:t>
+              <a:t>07/09/2017</a:t>
             </a:fld>
             <a:endParaRPr lang="en-GB"/>
           </a:p>
@@ -413,7 +417,7 @@
           <a:p>
             <a:fld id="{77A57ED4-2148-4BB6-BAB9-1FFC63FD67E9}" type="datetimeFigureOut">
               <a:rPr lang="en-GB" smtClean="0"/>
-              <a:t>26/04/2017</a:t>
+              <a:t>07/09/2017</a:t>
             </a:fld>
             <a:endParaRPr lang="en-GB"/>
           </a:p>
@@ -593,7 +597,7 @@
           <a:p>
             <a:fld id="{77A57ED4-2148-4BB6-BAB9-1FFC63FD67E9}" type="datetimeFigureOut">
               <a:rPr lang="en-GB" smtClean="0"/>
-              <a:t>26/04/2017</a:t>
+              <a:t>07/09/2017</a:t>
             </a:fld>
             <a:endParaRPr lang="en-GB"/>
           </a:p>
@@ -763,7 +767,7 @@
           <a:p>
             <a:fld id="{77A57ED4-2148-4BB6-BAB9-1FFC63FD67E9}" type="datetimeFigureOut">
               <a:rPr lang="en-GB" smtClean="0"/>
-              <a:t>26/04/2017</a:t>
+              <a:t>07/09/2017</a:t>
             </a:fld>
             <a:endParaRPr lang="en-GB"/>
           </a:p>
@@ -1009,7 +1013,7 @@
           <a:p>
             <a:fld id="{77A57ED4-2148-4BB6-BAB9-1FFC63FD67E9}" type="datetimeFigureOut">
               <a:rPr lang="en-GB" smtClean="0"/>
-              <a:t>26/04/2017</a:t>
+              <a:t>07/09/2017</a:t>
             </a:fld>
             <a:endParaRPr lang="en-GB"/>
           </a:p>
@@ -1241,7 +1245,7 @@
           <a:p>
             <a:fld id="{77A57ED4-2148-4BB6-BAB9-1FFC63FD67E9}" type="datetimeFigureOut">
               <a:rPr lang="en-GB" smtClean="0"/>
-              <a:t>26/04/2017</a:t>
+              <a:t>07/09/2017</a:t>
             </a:fld>
             <a:endParaRPr lang="en-GB"/>
           </a:p>
@@ -1608,7 +1612,7 @@
           <a:p>
             <a:fld id="{77A57ED4-2148-4BB6-BAB9-1FFC63FD67E9}" type="datetimeFigureOut">
               <a:rPr lang="en-GB" smtClean="0"/>
-              <a:t>26/04/2017</a:t>
+              <a:t>07/09/2017</a:t>
             </a:fld>
             <a:endParaRPr lang="en-GB"/>
           </a:p>
@@ -1726,7 +1730,7 @@
           <a:p>
             <a:fld id="{77A57ED4-2148-4BB6-BAB9-1FFC63FD67E9}" type="datetimeFigureOut">
               <a:rPr lang="en-GB" smtClean="0"/>
-              <a:t>26/04/2017</a:t>
+              <a:t>07/09/2017</a:t>
             </a:fld>
             <a:endParaRPr lang="en-GB"/>
           </a:p>
@@ -1821,7 +1825,7 @@
           <a:p>
             <a:fld id="{77A57ED4-2148-4BB6-BAB9-1FFC63FD67E9}" type="datetimeFigureOut">
               <a:rPr lang="en-GB" smtClean="0"/>
-              <a:t>26/04/2017</a:t>
+              <a:t>07/09/2017</a:t>
             </a:fld>
             <a:endParaRPr lang="en-GB"/>
           </a:p>
@@ -2098,7 +2102,7 @@
           <a:p>
             <a:fld id="{77A57ED4-2148-4BB6-BAB9-1FFC63FD67E9}" type="datetimeFigureOut">
               <a:rPr lang="en-GB" smtClean="0"/>
-              <a:t>26/04/2017</a:t>
+              <a:t>07/09/2017</a:t>
             </a:fld>
             <a:endParaRPr lang="en-GB"/>
           </a:p>
@@ -2351,7 +2355,7 @@
           <a:p>
             <a:fld id="{77A57ED4-2148-4BB6-BAB9-1FFC63FD67E9}" type="datetimeFigureOut">
               <a:rPr lang="en-GB" smtClean="0"/>
-              <a:t>26/04/2017</a:t>
+              <a:t>07/09/2017</a:t>
             </a:fld>
             <a:endParaRPr lang="en-GB"/>
           </a:p>
@@ -2564,7 +2568,7 @@
           <a:p>
             <a:fld id="{77A57ED4-2148-4BB6-BAB9-1FFC63FD67E9}" type="datetimeFigureOut">
               <a:rPr lang="en-GB" smtClean="0"/>
-              <a:t>26/04/2017</a:t>
+              <a:t>07/09/2017</a:t>
             </a:fld>
             <a:endParaRPr lang="en-GB"/>
           </a:p>
@@ -2971,7 +2975,13 @@
       </p:grpSpPr>
       <p:pic>
         <p:nvPicPr>
-          <p:cNvPr id="3" name="Picture 2"/>
+          <p:cNvPr id="2" name="Picture 1">
+            <a:extLst>
+              <a:ext uri="{FF2B5EF4-FFF2-40B4-BE49-F238E27FC236}">
+                <a16:creationId xmlns:a16="http://schemas.microsoft.com/office/drawing/2014/main" id="{2011B40B-FCB5-48E5-B426-17B980ACD8CD}"/>
+              </a:ext>
+            </a:extLst>
+          </p:cNvPr>
           <p:cNvPicPr>
             <a:picLocks noChangeAspect="1"/>
           </p:cNvPicPr>
@@ -2985,8 +2995,8 @@
         </p:blipFill>
         <p:spPr>
           <a:xfrm>
-            <a:off x="4086225" y="1181100"/>
-            <a:ext cx="4019550" cy="4495800"/>
+            <a:off x="3162300" y="952500"/>
+            <a:ext cx="5867400" cy="4953000"/>
           </a:xfrm>
           <a:prstGeom prst="rect">
             <a:avLst/>
